--- a/004 Reinforcement Learning/RL Task Explanation.pptx
+++ b/004 Reinforcement Learning/RL Task Explanation.pptx
@@ -124,7 +124,7 @@
           <a:p>
             <a:fld id="{154940A5-D549-416E-82D8-EF13869FA25D}" type="datetimeFigureOut">
               <a:rPr lang="ko-KR" altLang="en-US" smtClean="0"/>
-              <a:t>2023-08-07</a:t>
+              <a:t>2024-02-07</a:t>
             </a:fld>
             <a:endParaRPr lang="ko-KR" altLang="en-US"/>
           </a:p>
@@ -1048,7 +1048,7 @@
           <a:p>
             <a:fld id="{1DACB7AB-7364-40E4-B78F-AC9F2972BE20}" type="datetime1">
               <a:rPr lang="en-US" altLang="ko-KR" smtClean="0"/>
-              <a:t>8/7/2023</a:t>
+              <a:t>2/7/2024</a:t>
             </a:fld>
             <a:endParaRPr lang="en-US"/>
           </a:p>
@@ -1219,7 +1219,7 @@
           <a:p>
             <a:fld id="{C36C558B-EAEA-4EF5-9399-5D8AB03E5667}" type="datetime1">
               <a:rPr lang="en-US" altLang="ko-KR" smtClean="0"/>
-              <a:t>8/7/2023</a:t>
+              <a:t>2/7/2024</a:t>
             </a:fld>
             <a:endParaRPr lang="en-US"/>
           </a:p>
@@ -1433,7 +1433,7 @@
           <a:p>
             <a:fld id="{3E064E0E-3A79-4D2E-B854-3E3839FD5FC9}" type="datetime1">
               <a:rPr lang="en-US" altLang="ko-KR" smtClean="0"/>
-              <a:t>8/7/2023</a:t>
+              <a:t>2/7/2024</a:t>
             </a:fld>
             <a:endParaRPr lang="en-US"/>
           </a:p>
@@ -1581,7 +1581,7 @@
           <a:p>
             <a:fld id="{71DF252F-5407-4AEA-973D-CF6231B4087D}" type="datetime1">
               <a:rPr lang="en-US" altLang="ko-KR" smtClean="0"/>
-              <a:t>8/7/2023</a:t>
+              <a:t>2/7/2024</a:t>
             </a:fld>
             <a:endParaRPr lang="en-US"/>
           </a:p>
@@ -1700,7 +1700,7 @@
           <a:p>
             <a:fld id="{98331009-162D-4C9E-9435-71AA30759F67}" type="datetime1">
               <a:rPr lang="en-US" altLang="ko-KR" smtClean="0"/>
-              <a:t>8/7/2023</a:t>
+              <a:t>2/7/2024</a:t>
             </a:fld>
             <a:endParaRPr lang="en-US"/>
           </a:p>
@@ -1983,7 +1983,7 @@
           <a:p>
             <a:fld id="{0D095A66-CD1E-4C74-AB6E-361AA158CC4C}" type="datetime1">
               <a:rPr lang="en-US" altLang="ko-KR" smtClean="0"/>
-              <a:t>8/7/2023</a:t>
+              <a:t>2/7/2024</a:t>
             </a:fld>
             <a:endParaRPr lang="en-US"/>
           </a:p>
@@ -3742,8 +3742,8 @@
           </a:p>
         </p:txBody>
       </p:sp>
-      <mc:AlternateContent xmlns:mc="http://schemas.openxmlformats.org/markup-compatibility/2006">
-        <mc:Choice xmlns:a14="http://schemas.microsoft.com/office/drawing/2010/main" Requires="a14">
+      <mc:AlternateContent xmlns:mc="http://schemas.openxmlformats.org/markup-compatibility/2006" xmlns:a14="http://schemas.microsoft.com/office/drawing/2010/main">
+        <mc:Choice Requires="a14">
           <p:sp>
             <p:nvSpPr>
               <p:cNvPr id="38" name="TextBox 37">
@@ -3943,7 +3943,7 @@
             </p:txBody>
           </p:sp>
         </mc:Choice>
-        <mc:Fallback>
+        <mc:Fallback xmlns="">
           <p:sp>
             <p:nvSpPr>
               <p:cNvPr id="38" name="TextBox 37">
@@ -4552,7 +4552,7 @@
                 <a:latin typeface="Arial"/>
                 <a:cs typeface="Arial"/>
               </a:rPr>
-              <a:t>Critic (Q-function) learns to evluate the policy</a:t>
+              <a:t>Critic (Q-function) learns to evaluate the policy</a:t>
             </a:r>
             <a:endParaRPr kumimoji="0" lang="en-US" altLang="ko-KR" sz="2100" b="0" i="0" u="none" strike="noStrike" kern="0" cap="none" spc="0" normalizeH="0" baseline="0" noProof="0">
               <a:ln>
